--- a/Git Analisis/Reportes de atencion/2023/Mayo/Reporte de atencion-Mayo.pptx
+++ b/Git Analisis/Reportes de atencion/2023/Mayo/Reporte de atencion-Mayo.pptx
@@ -120,6 +120,11 @@
       </a:defRPr>
     </a:lvl9pPr>
   </p:defaultTextStyle>
+  <p:extLst>
+    <p:ext uri="{EFAFB233-063F-42B5-8137-9DF3F51BA10A}">
+      <p15:sldGuideLst xmlns:p15="http://schemas.microsoft.com/office/powerpoint/2012/main"/>
+    </p:ext>
+  </p:extLst>
 </p:presentation>
 </file>
 
@@ -272,7 +277,7 @@
           <a:p>
             <a:fld id="{375E1069-9488-4E8C-9613-7860DC0A836B}" type="datetimeFigureOut">
               <a:rPr lang="es-MX" smtClean="0"/>
-              <a:t>06/07/2023</a:t>
+              <a:t>12/07/2023</a:t>
             </a:fld>
             <a:endParaRPr lang="es-MX"/>
           </a:p>
@@ -326,7 +331,7 @@
           <a:p>
             <a:fld id="{E9527FD8-2202-41F3-A085-3638BB829CB1}" type="slidenum">
               <a:rPr lang="es-MX" smtClean="0"/>
-              <a:t>‹Nº›</a:t>
+              <a:t>‹#›</a:t>
             </a:fld>
             <a:endParaRPr lang="es-MX"/>
           </a:p>
@@ -472,7 +477,7 @@
           <a:p>
             <a:fld id="{375E1069-9488-4E8C-9613-7860DC0A836B}" type="datetimeFigureOut">
               <a:rPr lang="es-MX" smtClean="0"/>
-              <a:t>06/07/2023</a:t>
+              <a:t>12/07/2023</a:t>
             </a:fld>
             <a:endParaRPr lang="es-MX"/>
           </a:p>
@@ -526,7 +531,7 @@
           <a:p>
             <a:fld id="{E9527FD8-2202-41F3-A085-3638BB829CB1}" type="slidenum">
               <a:rPr lang="es-MX" smtClean="0"/>
-              <a:t>‹Nº›</a:t>
+              <a:t>‹#›</a:t>
             </a:fld>
             <a:endParaRPr lang="es-MX"/>
           </a:p>
@@ -682,7 +687,7 @@
           <a:p>
             <a:fld id="{375E1069-9488-4E8C-9613-7860DC0A836B}" type="datetimeFigureOut">
               <a:rPr lang="es-MX" smtClean="0"/>
-              <a:t>06/07/2023</a:t>
+              <a:t>12/07/2023</a:t>
             </a:fld>
             <a:endParaRPr lang="es-MX"/>
           </a:p>
@@ -736,7 +741,7 @@
           <a:p>
             <a:fld id="{E9527FD8-2202-41F3-A085-3638BB829CB1}" type="slidenum">
               <a:rPr lang="es-MX" smtClean="0"/>
-              <a:t>‹Nº›</a:t>
+              <a:t>‹#›</a:t>
             </a:fld>
             <a:endParaRPr lang="es-MX"/>
           </a:p>
@@ -882,7 +887,7 @@
           <a:p>
             <a:fld id="{375E1069-9488-4E8C-9613-7860DC0A836B}" type="datetimeFigureOut">
               <a:rPr lang="es-MX" smtClean="0"/>
-              <a:t>06/07/2023</a:t>
+              <a:t>12/07/2023</a:t>
             </a:fld>
             <a:endParaRPr lang="es-MX"/>
           </a:p>
@@ -936,7 +941,7 @@
           <a:p>
             <a:fld id="{E9527FD8-2202-41F3-A085-3638BB829CB1}" type="slidenum">
               <a:rPr lang="es-MX" smtClean="0"/>
-              <a:t>‹Nº›</a:t>
+              <a:t>‹#›</a:t>
             </a:fld>
             <a:endParaRPr lang="es-MX"/>
           </a:p>
@@ -1158,7 +1163,7 @@
           <a:p>
             <a:fld id="{375E1069-9488-4E8C-9613-7860DC0A836B}" type="datetimeFigureOut">
               <a:rPr lang="es-MX" smtClean="0"/>
-              <a:t>06/07/2023</a:t>
+              <a:t>12/07/2023</a:t>
             </a:fld>
             <a:endParaRPr lang="es-MX"/>
           </a:p>
@@ -1212,7 +1217,7 @@
           <a:p>
             <a:fld id="{E9527FD8-2202-41F3-A085-3638BB829CB1}" type="slidenum">
               <a:rPr lang="es-MX" smtClean="0"/>
-              <a:t>‹Nº›</a:t>
+              <a:t>‹#›</a:t>
             </a:fld>
             <a:endParaRPr lang="es-MX"/>
           </a:p>
@@ -1426,7 +1431,7 @@
           <a:p>
             <a:fld id="{375E1069-9488-4E8C-9613-7860DC0A836B}" type="datetimeFigureOut">
               <a:rPr lang="es-MX" smtClean="0"/>
-              <a:t>06/07/2023</a:t>
+              <a:t>12/07/2023</a:t>
             </a:fld>
             <a:endParaRPr lang="es-MX"/>
           </a:p>
@@ -1480,7 +1485,7 @@
           <a:p>
             <a:fld id="{E9527FD8-2202-41F3-A085-3638BB829CB1}" type="slidenum">
               <a:rPr lang="es-MX" smtClean="0"/>
-              <a:t>‹Nº›</a:t>
+              <a:t>‹#›</a:t>
             </a:fld>
             <a:endParaRPr lang="es-MX"/>
           </a:p>
@@ -1841,7 +1846,7 @@
           <a:p>
             <a:fld id="{375E1069-9488-4E8C-9613-7860DC0A836B}" type="datetimeFigureOut">
               <a:rPr lang="es-MX" smtClean="0"/>
-              <a:t>06/07/2023</a:t>
+              <a:t>12/07/2023</a:t>
             </a:fld>
             <a:endParaRPr lang="es-MX"/>
           </a:p>
@@ -1895,7 +1900,7 @@
           <a:p>
             <a:fld id="{E9527FD8-2202-41F3-A085-3638BB829CB1}" type="slidenum">
               <a:rPr lang="es-MX" smtClean="0"/>
-              <a:t>‹Nº›</a:t>
+              <a:t>‹#›</a:t>
             </a:fld>
             <a:endParaRPr lang="es-MX"/>
           </a:p>
@@ -1983,7 +1988,7 @@
           <a:p>
             <a:fld id="{375E1069-9488-4E8C-9613-7860DC0A836B}" type="datetimeFigureOut">
               <a:rPr lang="es-MX" smtClean="0"/>
-              <a:t>06/07/2023</a:t>
+              <a:t>12/07/2023</a:t>
             </a:fld>
             <a:endParaRPr lang="es-MX"/>
           </a:p>
@@ -2037,7 +2042,7 @@
           <a:p>
             <a:fld id="{E9527FD8-2202-41F3-A085-3638BB829CB1}" type="slidenum">
               <a:rPr lang="es-MX" smtClean="0"/>
-              <a:t>‹Nº›</a:t>
+              <a:t>‹#›</a:t>
             </a:fld>
             <a:endParaRPr lang="es-MX"/>
           </a:p>
@@ -2096,7 +2101,7 @@
           <a:p>
             <a:fld id="{375E1069-9488-4E8C-9613-7860DC0A836B}" type="datetimeFigureOut">
               <a:rPr lang="es-MX" smtClean="0"/>
-              <a:t>06/07/2023</a:t>
+              <a:t>12/07/2023</a:t>
             </a:fld>
             <a:endParaRPr lang="es-MX"/>
           </a:p>
@@ -2150,7 +2155,7 @@
           <a:p>
             <a:fld id="{E9527FD8-2202-41F3-A085-3638BB829CB1}" type="slidenum">
               <a:rPr lang="es-MX" smtClean="0"/>
-              <a:t>‹Nº›</a:t>
+              <a:t>‹#›</a:t>
             </a:fld>
             <a:endParaRPr lang="es-MX"/>
           </a:p>
@@ -2409,7 +2414,7 @@
           <a:p>
             <a:fld id="{375E1069-9488-4E8C-9613-7860DC0A836B}" type="datetimeFigureOut">
               <a:rPr lang="es-MX" smtClean="0"/>
-              <a:t>06/07/2023</a:t>
+              <a:t>12/07/2023</a:t>
             </a:fld>
             <a:endParaRPr lang="es-MX"/>
           </a:p>
@@ -2463,7 +2468,7 @@
           <a:p>
             <a:fld id="{E9527FD8-2202-41F3-A085-3638BB829CB1}" type="slidenum">
               <a:rPr lang="es-MX" smtClean="0"/>
-              <a:t>‹Nº›</a:t>
+              <a:t>‹#›</a:t>
             </a:fld>
             <a:endParaRPr lang="es-MX"/>
           </a:p>
@@ -2698,7 +2703,7 @@
           <a:p>
             <a:fld id="{375E1069-9488-4E8C-9613-7860DC0A836B}" type="datetimeFigureOut">
               <a:rPr lang="es-MX" smtClean="0"/>
-              <a:t>06/07/2023</a:t>
+              <a:t>12/07/2023</a:t>
             </a:fld>
             <a:endParaRPr lang="es-MX"/>
           </a:p>
@@ -2752,7 +2757,7 @@
           <a:p>
             <a:fld id="{E9527FD8-2202-41F3-A085-3638BB829CB1}" type="slidenum">
               <a:rPr lang="es-MX" smtClean="0"/>
-              <a:t>‹Nº›</a:t>
+              <a:t>‹#›</a:t>
             </a:fld>
             <a:endParaRPr lang="es-MX"/>
           </a:p>
@@ -2941,7 +2946,7 @@
           <a:p>
             <a:fld id="{375E1069-9488-4E8C-9613-7860DC0A836B}" type="datetimeFigureOut">
               <a:rPr lang="es-MX" smtClean="0"/>
-              <a:t>06/07/2023</a:t>
+              <a:t>12/07/2023</a:t>
             </a:fld>
             <a:endParaRPr lang="es-MX"/>
           </a:p>
@@ -3031,7 +3036,7 @@
           <a:p>
             <a:fld id="{E9527FD8-2202-41F3-A085-3638BB829CB1}" type="slidenum">
               <a:rPr lang="es-MX" smtClean="0"/>
-              <a:t>‹Nº›</a:t>
+              <a:t>‹#›</a:t>
             </a:fld>
             <a:endParaRPr lang="es-MX"/>
           </a:p>
@@ -3358,8 +3363,8 @@
           <a:chExt cx="0" cy="0"/>
         </a:xfrm>
       </p:grpSpPr>
-      <mc:AlternateContent xmlns:mc="http://schemas.openxmlformats.org/markup-compatibility/2006">
-        <mc:Choice xmlns:we="http://schemas.microsoft.com/office/webextensions/webextension/2010/11" xmlns:pca="http://schemas.microsoft.com/office/powerpoint/2013/contentapp" Requires="we pca">
+      <mc:AlternateContent xmlns:mc="http://schemas.openxmlformats.org/markup-compatibility/2006" xmlns:we="http://schemas.microsoft.com/office/webextensions/webextension/2010/11" xmlns:pca="http://schemas.microsoft.com/office/powerpoint/2013/contentapp">
+        <mc:Choice Requires="we pca">
           <p:graphicFrame>
             <p:nvGraphicFramePr>
               <p:cNvPr id="4" name="Marcador de contenido 3" title="Microsoft Power BI">
@@ -3392,7 +3397,7 @@
             </a:graphic>
           </p:graphicFrame>
         </mc:Choice>
-        <mc:Fallback>
+        <mc:Fallback xmlns="">
           <p:pic>
             <p:nvPicPr>
               <p:cNvPr id="4" name="Marcador de contenido 3" title="Microsoft Power BI">
@@ -3455,8 +3460,8 @@
           <a:chExt cx="0" cy="0"/>
         </a:xfrm>
       </p:grpSpPr>
-      <mc:AlternateContent xmlns:mc="http://schemas.openxmlformats.org/markup-compatibility/2006">
-        <mc:Choice xmlns:we="http://schemas.microsoft.com/office/webextensions/webextension/2010/11" xmlns:pca="http://schemas.microsoft.com/office/powerpoint/2013/contentapp" Requires="we pca">
+      <mc:AlternateContent xmlns:mc="http://schemas.openxmlformats.org/markup-compatibility/2006" xmlns:we="http://schemas.microsoft.com/office/webextensions/webextension/2010/11" xmlns:pca="http://schemas.microsoft.com/office/powerpoint/2013/contentapp">
+        <mc:Choice Requires="we pca">
           <p:graphicFrame>
             <p:nvGraphicFramePr>
               <p:cNvPr id="4" name="Marcador de contenido 3" title="Microsoft Power BI">
@@ -3484,7 +3489,7 @@
             </a:graphic>
           </p:graphicFrame>
         </mc:Choice>
-        <mc:Fallback>
+        <mc:Fallback xmlns="">
           <p:pic>
             <p:nvPicPr>
               <p:cNvPr id="4" name="Marcador de contenido 3" title="Microsoft Power BI">
@@ -3547,8 +3552,8 @@
           <a:chExt cx="0" cy="0"/>
         </a:xfrm>
       </p:grpSpPr>
-      <mc:AlternateContent xmlns:mc="http://schemas.openxmlformats.org/markup-compatibility/2006">
-        <mc:Choice xmlns:we="http://schemas.microsoft.com/office/webextensions/webextension/2010/11" xmlns:pca="http://schemas.microsoft.com/office/powerpoint/2013/contentapp" Requires="we pca">
+      <mc:AlternateContent xmlns:mc="http://schemas.openxmlformats.org/markup-compatibility/2006" xmlns:we="http://schemas.microsoft.com/office/webextensions/webextension/2010/11" xmlns:pca="http://schemas.microsoft.com/office/powerpoint/2013/contentapp">
+        <mc:Choice Requires="we pca">
           <p:graphicFrame>
             <p:nvGraphicFramePr>
               <p:cNvPr id="4" name="Marcador de contenido 3" title="Microsoft Power BI">
@@ -3576,7 +3581,7 @@
             </a:graphic>
           </p:graphicFrame>
         </mc:Choice>
-        <mc:Fallback>
+        <mc:Fallback xmlns="">
           <p:pic>
             <p:nvPicPr>
               <p:cNvPr id="4" name="Marcador de contenido 3" title="Microsoft Power BI">
@@ -3639,8 +3644,8 @@
           <a:chExt cx="0" cy="0"/>
         </a:xfrm>
       </p:grpSpPr>
-      <mc:AlternateContent xmlns:mc="http://schemas.openxmlformats.org/markup-compatibility/2006">
-        <mc:Choice xmlns:we="http://schemas.microsoft.com/office/webextensions/webextension/2010/11" xmlns:pca="http://schemas.microsoft.com/office/powerpoint/2013/contentapp" Requires="we pca">
+      <mc:AlternateContent xmlns:mc="http://schemas.openxmlformats.org/markup-compatibility/2006" xmlns:we="http://schemas.microsoft.com/office/webextensions/webextension/2010/11" xmlns:pca="http://schemas.microsoft.com/office/powerpoint/2013/contentapp">
+        <mc:Choice Requires="we pca">
           <p:graphicFrame>
             <p:nvGraphicFramePr>
               <p:cNvPr id="4" name="Marcador de contenido 3" title="Microsoft Power BI">
@@ -3668,7 +3673,7 @@
             </a:graphic>
           </p:graphicFrame>
         </mc:Choice>
-        <mc:Fallback>
+        <mc:Fallback xmlns="">
           <p:pic>
             <p:nvPicPr>
               <p:cNvPr id="4" name="Marcador de contenido 3" title="Microsoft Power BI">
@@ -3731,8 +3736,8 @@
           <a:chExt cx="0" cy="0"/>
         </a:xfrm>
       </p:grpSpPr>
-      <mc:AlternateContent xmlns:mc="http://schemas.openxmlformats.org/markup-compatibility/2006">
-        <mc:Choice xmlns:we="http://schemas.microsoft.com/office/webextensions/webextension/2010/11" xmlns:pca="http://schemas.microsoft.com/office/powerpoint/2013/contentapp" Requires="we pca">
+      <mc:AlternateContent xmlns:mc="http://schemas.openxmlformats.org/markup-compatibility/2006" xmlns:we="http://schemas.microsoft.com/office/webextensions/webextension/2010/11" xmlns:pca="http://schemas.microsoft.com/office/powerpoint/2013/contentapp">
+        <mc:Choice Requires="we pca">
           <p:graphicFrame>
             <p:nvGraphicFramePr>
               <p:cNvPr id="4" name="Marcador de contenido 3" title="Microsoft Power BI">
@@ -3760,7 +3765,7 @@
             </a:graphic>
           </p:graphicFrame>
         </mc:Choice>
-        <mc:Fallback>
+        <mc:Fallback xmlns="">
           <p:pic>
             <p:nvPicPr>
               <p:cNvPr id="4" name="Marcador de contenido 3" title="Microsoft Power BI">
@@ -3823,8 +3828,8 @@
           <a:chExt cx="0" cy="0"/>
         </a:xfrm>
       </p:grpSpPr>
-      <mc:AlternateContent xmlns:mc="http://schemas.openxmlformats.org/markup-compatibility/2006">
-        <mc:Choice xmlns:we="http://schemas.microsoft.com/office/webextensions/webextension/2010/11" xmlns:pca="http://schemas.microsoft.com/office/powerpoint/2013/contentapp" Requires="we pca">
+      <mc:AlternateContent xmlns:mc="http://schemas.openxmlformats.org/markup-compatibility/2006" xmlns:we="http://schemas.microsoft.com/office/webextensions/webextension/2010/11" xmlns:pca="http://schemas.microsoft.com/office/powerpoint/2013/contentapp">
+        <mc:Choice Requires="we pca">
           <p:graphicFrame>
             <p:nvGraphicFramePr>
               <p:cNvPr id="4" name="Marcador de contenido 3" title="Microsoft Power BI">
@@ -3852,7 +3857,7 @@
             </a:graphic>
           </p:graphicFrame>
         </mc:Choice>
-        <mc:Fallback>
+        <mc:Fallback xmlns="">
           <p:pic>
             <p:nvPicPr>
               <p:cNvPr id="4" name="Marcador de contenido 3" title="Microsoft Power BI">
@@ -3915,8 +3920,8 @@
           <a:chExt cx="0" cy="0"/>
         </a:xfrm>
       </p:grpSpPr>
-      <mc:AlternateContent xmlns:mc="http://schemas.openxmlformats.org/markup-compatibility/2006">
-        <mc:Choice xmlns:we="http://schemas.microsoft.com/office/webextensions/webextension/2010/11" xmlns:pca="http://schemas.microsoft.com/office/powerpoint/2013/contentapp" Requires="we pca">
+      <mc:AlternateContent xmlns:mc="http://schemas.openxmlformats.org/markup-compatibility/2006" xmlns:we="http://schemas.microsoft.com/office/webextensions/webextension/2010/11" xmlns:pca="http://schemas.microsoft.com/office/powerpoint/2013/contentapp">
+        <mc:Choice Requires="we pca">
           <p:graphicFrame>
             <p:nvGraphicFramePr>
               <p:cNvPr id="4" name="Marcador de contenido 3" title="Microsoft Power BI">
@@ -3944,7 +3949,7 @@
             </a:graphic>
           </p:graphicFrame>
         </mc:Choice>
-        <mc:Fallback>
+        <mc:Fallback xmlns="">
           <p:pic>
             <p:nvPicPr>
               <p:cNvPr id="4" name="Marcador de contenido 3" title="Microsoft Power BI">
@@ -4007,8 +4012,8 @@
           <a:chExt cx="0" cy="0"/>
         </a:xfrm>
       </p:grpSpPr>
-      <mc:AlternateContent xmlns:mc="http://schemas.openxmlformats.org/markup-compatibility/2006">
-        <mc:Choice xmlns:we="http://schemas.microsoft.com/office/webextensions/webextension/2010/11" xmlns:pca="http://schemas.microsoft.com/office/powerpoint/2013/contentapp" Requires="we pca">
+      <mc:AlternateContent xmlns:mc="http://schemas.openxmlformats.org/markup-compatibility/2006" xmlns:we="http://schemas.microsoft.com/office/webextensions/webextension/2010/11" xmlns:pca="http://schemas.microsoft.com/office/powerpoint/2013/contentapp">
+        <mc:Choice Requires="we pca">
           <p:graphicFrame>
             <p:nvGraphicFramePr>
               <p:cNvPr id="4" name="Marcador de contenido 3" title="Microsoft Power BI">
@@ -4036,7 +4041,7 @@
             </a:graphic>
           </p:graphicFrame>
         </mc:Choice>
-        <mc:Fallback>
+        <mc:Fallback xmlns="">
           <p:pic>
             <p:nvPicPr>
               <p:cNvPr id="4" name="Marcador de contenido 3" title="Microsoft Power BI">
@@ -4099,8 +4104,8 @@
           <a:chExt cx="0" cy="0"/>
         </a:xfrm>
       </p:grpSpPr>
-      <mc:AlternateContent xmlns:mc="http://schemas.openxmlformats.org/markup-compatibility/2006">
-        <mc:Choice xmlns:we="http://schemas.microsoft.com/office/webextensions/webextension/2010/11" xmlns:pca="http://schemas.microsoft.com/office/powerpoint/2013/contentapp" Requires="we pca">
+      <mc:AlternateContent xmlns:mc="http://schemas.openxmlformats.org/markup-compatibility/2006" xmlns:we="http://schemas.microsoft.com/office/webextensions/webextension/2010/11" xmlns:pca="http://schemas.microsoft.com/office/powerpoint/2013/contentapp">
+        <mc:Choice Requires="we pca">
           <p:graphicFrame>
             <p:nvGraphicFramePr>
               <p:cNvPr id="4" name="Marcador de contenido 3" title="Microsoft Power BI">
@@ -4128,7 +4133,7 @@
             </a:graphic>
           </p:graphicFrame>
         </mc:Choice>
-        <mc:Fallback>
+        <mc:Fallback xmlns="">
           <p:pic>
             <p:nvPicPr>
               <p:cNvPr id="4" name="Marcador de contenido 3" title="Microsoft Power BI">
@@ -4191,8 +4196,8 @@
           <a:chExt cx="0" cy="0"/>
         </a:xfrm>
       </p:grpSpPr>
-      <mc:AlternateContent xmlns:mc="http://schemas.openxmlformats.org/markup-compatibility/2006">
-        <mc:Choice xmlns:we="http://schemas.microsoft.com/office/webextensions/webextension/2010/11" xmlns:pca="http://schemas.microsoft.com/office/powerpoint/2013/contentapp" Requires="we pca">
+      <mc:AlternateContent xmlns:mc="http://schemas.openxmlformats.org/markup-compatibility/2006" xmlns:we="http://schemas.microsoft.com/office/webextensions/webextension/2010/11" xmlns:pca="http://schemas.microsoft.com/office/powerpoint/2013/contentapp">
+        <mc:Choice Requires="we pca">
           <p:graphicFrame>
             <p:nvGraphicFramePr>
               <p:cNvPr id="4" name="Marcador de contenido 3" title="Microsoft Power BI">
@@ -4220,7 +4225,7 @@
             </a:graphic>
           </p:graphicFrame>
         </mc:Choice>
-        <mc:Fallback>
+        <mc:Fallback xmlns="">
           <p:pic>
             <p:nvPicPr>
               <p:cNvPr id="4" name="Marcador de contenido 3" title="Microsoft Power BI">
@@ -4283,8 +4288,8 @@
           <a:chExt cx="0" cy="0"/>
         </a:xfrm>
       </p:grpSpPr>
-      <mc:AlternateContent xmlns:mc="http://schemas.openxmlformats.org/markup-compatibility/2006">
-        <mc:Choice xmlns:we="http://schemas.microsoft.com/office/webextensions/webextension/2010/11" xmlns:pca="http://schemas.microsoft.com/office/powerpoint/2013/contentapp" Requires="we pca">
+      <mc:AlternateContent xmlns:mc="http://schemas.openxmlformats.org/markup-compatibility/2006" xmlns:we="http://schemas.microsoft.com/office/webextensions/webextension/2010/11" xmlns:pca="http://schemas.microsoft.com/office/powerpoint/2013/contentapp">
+        <mc:Choice Requires="we pca">
           <p:graphicFrame>
             <p:nvGraphicFramePr>
               <p:cNvPr id="4" name="Marcador de contenido 3" title="Microsoft Power BI">
@@ -4312,7 +4317,7 @@
             </a:graphic>
           </p:graphicFrame>
         </mc:Choice>
-        <mc:Fallback>
+        <mc:Fallback xmlns="">
           <p:pic>
             <p:nvPicPr>
               <p:cNvPr id="4" name="Marcador de contenido 3" title="Microsoft Power BI">
@@ -4375,8 +4380,8 @@
           <a:chExt cx="0" cy="0"/>
         </a:xfrm>
       </p:grpSpPr>
-      <mc:AlternateContent xmlns:mc="http://schemas.openxmlformats.org/markup-compatibility/2006">
-        <mc:Choice xmlns:we="http://schemas.microsoft.com/office/webextensions/webextension/2010/11" xmlns:pca="http://schemas.microsoft.com/office/powerpoint/2013/contentapp" Requires="we pca">
+      <mc:AlternateContent xmlns:mc="http://schemas.openxmlformats.org/markup-compatibility/2006" xmlns:we="http://schemas.microsoft.com/office/webextensions/webextension/2010/11" xmlns:pca="http://schemas.microsoft.com/office/powerpoint/2013/contentapp">
+        <mc:Choice Requires="we pca">
           <p:graphicFrame>
             <p:nvGraphicFramePr>
               <p:cNvPr id="4" name="Marcador de contenido 3" title="Microsoft Power BI">
@@ -4404,7 +4409,7 @@
             </a:graphic>
           </p:graphicFrame>
         </mc:Choice>
-        <mc:Fallback>
+        <mc:Fallback xmlns="">
           <p:pic>
             <p:nvPicPr>
               <p:cNvPr id="4" name="Marcador de contenido 3" title="Microsoft Power BI">
@@ -4467,8 +4472,8 @@
           <a:chExt cx="0" cy="0"/>
         </a:xfrm>
       </p:grpSpPr>
-      <mc:AlternateContent xmlns:mc="http://schemas.openxmlformats.org/markup-compatibility/2006">
-        <mc:Choice xmlns:we="http://schemas.microsoft.com/office/webextensions/webextension/2010/11" xmlns:pca="http://schemas.microsoft.com/office/powerpoint/2013/contentapp" Requires="we pca">
+      <mc:AlternateContent xmlns:mc="http://schemas.openxmlformats.org/markup-compatibility/2006" xmlns:we="http://schemas.microsoft.com/office/webextensions/webextension/2010/11" xmlns:pca="http://schemas.microsoft.com/office/powerpoint/2013/contentapp">
+        <mc:Choice Requires="we pca">
           <p:graphicFrame>
             <p:nvGraphicFramePr>
               <p:cNvPr id="4" name="Marcador de contenido 3" title="Microsoft Power BI">
@@ -4496,7 +4501,7 @@
             </a:graphic>
           </p:graphicFrame>
         </mc:Choice>
-        <mc:Fallback>
+        <mc:Fallback xmlns="">
           <p:pic>
             <p:nvPicPr>
               <p:cNvPr id="4" name="Marcador de contenido 3" title="Microsoft Power BI">
@@ -4559,8 +4564,8 @@
           <a:chExt cx="0" cy="0"/>
         </a:xfrm>
       </p:grpSpPr>
-      <mc:AlternateContent xmlns:mc="http://schemas.openxmlformats.org/markup-compatibility/2006">
-        <mc:Choice xmlns:we="http://schemas.microsoft.com/office/webextensions/webextension/2010/11" xmlns:pca="http://schemas.microsoft.com/office/powerpoint/2013/contentapp" Requires="we pca">
+      <mc:AlternateContent xmlns:mc="http://schemas.openxmlformats.org/markup-compatibility/2006" xmlns:we="http://schemas.microsoft.com/office/webextensions/webextension/2010/11" xmlns:pca="http://schemas.microsoft.com/office/powerpoint/2013/contentapp">
+        <mc:Choice Requires="we pca">
           <p:graphicFrame>
             <p:nvGraphicFramePr>
               <p:cNvPr id="4" name="Marcador de contenido 3" title="Microsoft Power BI">
@@ -4588,7 +4593,7 @@
             </a:graphic>
           </p:graphicFrame>
         </mc:Choice>
-        <mc:Fallback>
+        <mc:Fallback xmlns="">
           <p:pic>
             <p:nvPicPr>
               <p:cNvPr id="4" name="Marcador de contenido 3" title="Microsoft Power BI">
@@ -4651,8 +4656,8 @@
           <a:chExt cx="0" cy="0"/>
         </a:xfrm>
       </p:grpSpPr>
-      <mc:AlternateContent xmlns:mc="http://schemas.openxmlformats.org/markup-compatibility/2006">
-        <mc:Choice xmlns:we="http://schemas.microsoft.com/office/webextensions/webextension/2010/11" xmlns:pca="http://schemas.microsoft.com/office/powerpoint/2013/contentapp" Requires="we pca">
+      <mc:AlternateContent xmlns:mc="http://schemas.openxmlformats.org/markup-compatibility/2006" xmlns:we="http://schemas.microsoft.com/office/webextensions/webextension/2010/11" xmlns:pca="http://schemas.microsoft.com/office/powerpoint/2013/contentapp">
+        <mc:Choice Requires="we pca">
           <p:graphicFrame>
             <p:nvGraphicFramePr>
               <p:cNvPr id="4" name="Marcador de contenido 3" title="Microsoft Power BI">
@@ -4680,7 +4685,7 @@
             </a:graphic>
           </p:graphicFrame>
         </mc:Choice>
-        <mc:Fallback>
+        <mc:Fallback xmlns="">
           <p:pic>
             <p:nvPicPr>
               <p:cNvPr id="4" name="Marcador de contenido 3" title="Microsoft Power BI">
@@ -4743,8 +4748,8 @@
           <a:chExt cx="0" cy="0"/>
         </a:xfrm>
       </p:grpSpPr>
-      <mc:AlternateContent xmlns:mc="http://schemas.openxmlformats.org/markup-compatibility/2006">
-        <mc:Choice xmlns:we="http://schemas.microsoft.com/office/webextensions/webextension/2010/11" xmlns:pca="http://schemas.microsoft.com/office/powerpoint/2013/contentapp" Requires="we pca">
+      <mc:AlternateContent xmlns:mc="http://schemas.openxmlformats.org/markup-compatibility/2006" xmlns:we="http://schemas.microsoft.com/office/webextensions/webextension/2010/11" xmlns:pca="http://schemas.microsoft.com/office/powerpoint/2013/contentapp">
+        <mc:Choice Requires="we pca">
           <p:graphicFrame>
             <p:nvGraphicFramePr>
               <p:cNvPr id="4" name="Marcador de contenido 3" title="Microsoft Power BI">
@@ -4772,7 +4777,7 @@
             </a:graphic>
           </p:graphicFrame>
         </mc:Choice>
-        <mc:Fallback>
+        <mc:Fallback xmlns="">
           <p:pic>
             <p:nvPicPr>
               <p:cNvPr id="4" name="Marcador de contenido 3" title="Microsoft Power BI">
@@ -4835,8 +4840,8 @@
           <a:chExt cx="0" cy="0"/>
         </a:xfrm>
       </p:grpSpPr>
-      <mc:AlternateContent xmlns:mc="http://schemas.openxmlformats.org/markup-compatibility/2006">
-        <mc:Choice xmlns:we="http://schemas.microsoft.com/office/webextensions/webextension/2010/11" xmlns:pca="http://schemas.microsoft.com/office/powerpoint/2013/contentapp" Requires="we pca">
+      <mc:AlternateContent xmlns:mc="http://schemas.openxmlformats.org/markup-compatibility/2006" xmlns:we="http://schemas.microsoft.com/office/webextensions/webextension/2010/11" xmlns:pca="http://schemas.microsoft.com/office/powerpoint/2013/contentapp">
+        <mc:Choice Requires="we pca">
           <p:graphicFrame>
             <p:nvGraphicFramePr>
               <p:cNvPr id="4" name="Marcador de contenido 3" title="Microsoft Power BI">
@@ -4864,7 +4869,7 @@
             </a:graphic>
           </p:graphicFrame>
         </mc:Choice>
-        <mc:Fallback>
+        <mc:Fallback xmlns="">
           <p:pic>
             <p:nvPicPr>
               <p:cNvPr id="4" name="Marcador de contenido 3" title="Microsoft Power BI">
@@ -5221,7 +5226,7 @@
     <we:property name="pageDisplayName" value="&quot;Portada&quot;"/>
     <we:property name="datasetId" value="&quot;3ca70551-6f5f-4c7f-86a6-03a44a4ba53b&quot;"/>
     <we:property name="backgroundColor" value="&quot;#FFFFFF&quot;"/>
-    <we:property name="bookmark" value="&quot;H4sIAAAAAAAAA+1XTW8bNxD9KwUvvgjFklzuh2+JrQAF4sKIC/dQ+DAkZ2Umq+WCSzlSDf33DnelpE6VKHAUpAV6EEDOct7MG74hqUdm3dC3sPkVlsjO2RUEA9aHnzibsW6yvfT+3RLCOw5NAaqpuFTCylIh5A2t8n10vhvY+SOLEBYYb92wgjYBkvGPuxmDtr2GRZo10A44Yz2GwXfQuj9xWkyfYljhdsZw3bc+QIK8iRAxwT7QcppTKvxnSRHBRPeAN2jiZH2DvQ9xNwcQSuW8KlTZVFpxKYQhn2H6OqZ5fH0KOiZ24bsIrqMEkg24EnmGGksuq1zJqrBVsg+uW7Q7Kh99f9v0qXxuSdxTnfRbiphwtlsiWopKVnUmETCvmqYRTc6fiyVBgy0yo7JC8SwrcqOb52IVhaltXlspUEgj6lzW5VGsiOuo/fqfaBVJJlMAlRAZ6KYwssyOog330B/IDHhRFWVms0IILMBIo/Lk27g27jZIb+brPpDqSIsT1gv7AJ1By0ZpBRwmJT2yC9+uluNo/sR+41fB4BscCzjvooubBKODa1nK4jp4ku9ovMEldDBa7/37i4CkV8vOs+0dWb7MsHUGwxOKbInUPGmwQNJbciIW/RTN4fCR6dPR7b45xIy9Cn45uu26GSjCJxRmbEqBkpyx3+8x4OhAOrcu7krwyydlGXZLvqJg02QM/bliUdxbaFfj4UCwr12c2D5O5tTl9eu07o52Pf2Sh4UIBwqy9HYsGY67fhDs7JI8rH/fnbHtdkLcnyCU3du/HQsfsjqtOO6mFs25soq6QORlDiLjcmrR54n3CmFYBfymBC8dXLnuOeo1EOzT9qRJsBhebsbsL13Yn80kyvn3y3zaTNS5tgh1ZZDzEipTN8WPLy2sT1PaBNJo3WhbQY5aKW60hAZ/LMN04PvTEaTGAFvT+6KUYEusDRbqX0BQnI6hLOlxQSIFXUmluRZN/Q39/2KxCLiA/YE9P/XNlp5uyfRq1e0aWZ6sEroxpsoLVSsteC4kt1gercQFBV344Ay03+Mm3/P9/xo/do1PlTp+h58tYePP/vvX+I7vGHN7eKP9Kg49GLyGDg+QI1LQ2aSoLxIc/xp94Lbd/gUmbxkNmg0AAA==&quot;"/>
+    <we:property name="bookmark" value="&quot;H4sIAAAAAAAAA+1XTY/bNhD9KwUvezEKkdTn3pJdByiQFItssT0UexiSIy8TSRQoemN3of/eoWQnderGxcZBWqAHA+KI82be8M1QfmLGDn0D25+hRXbJXjr3vgX//gfOFqw7tOW5ThG04KgSU/I0EUnc5fpgXTewyycWwK8w3NlhDU0EJONv9wsGTXMDq7iqoRlwwXr0g+ugsb/jvJleBb/GccFw0zfOQ4S8DRAwwj7SdlpTKvxHSRFBB/uIt6jDbH2LvfNhtwYQWZbyMs+KulQZl0Jo8hnmt1Oap/fHoFNiV64LYDtKINqAZyJNUGHBZZlmssxNGe2D7VbNjson31+2fSyfbYl7rJN6RxEjzjgS0UKUsqwSiYBpWde1qFP+XCwJCkye6CzJM54keapV/VwsOuXKpJWRAoXUokplVZzECrgJym3+ilbWOSQZQClEAqrOtSySk2jDA/RHMgOel3mRmCQXAnPQUmdp9K1tE3YHpLbLTe9JdaTFGeuFeYROo2GTtDwOs5Ke2JVr1u30tDyw37q11/gWpwIuu2DDNsIobxsWs7jxjuQ7GW+xhQ4m64P7cOWR9GrYZTLek+XLDBur0R9QZC1S88SHFZLeohOx6OdoFodPTA+f7vbNIRbslXft5LbrZqAIn1FYsDkFSnLBfn1Aj5MD6dzYsCvBT5+VZdht+QcFmxdT6L8rFsW9g2Y9DQeCfW3DzPZpNscur17Hffd06vEXPQwEOFKQ1pmpZDid+lGwi2vyMO5Dd8HGcUbcTxDK7t2fxsLHrM4rjvu5RVOemYy6QKRFCjQ55dyizxPvG4Rh7fGrEry28MZ2z1GvBm8O25MW3qB/uZ2yv7Z+P5tJlMtvl/l8mKhSZRCqUiPnBZS6qvPvX1rYnKe0EaRWqlamhBRVlnGtJNT4fRnGge/OR5AaA0wFdV5IMAVWGvPsX0BQnI+hLOjjgkQKqpSZ4krU1Vf0/4vVyuMK9gN7ee6bLX66RdOrdbdrZHm2Sqha6zLNsypTgqdCcoPFyUpcUdCV81ZD8y1u8j3f/6/xU9f4XKnTd/hFC1t38d+/xnd8p5jj8YN26zD0oPEGOjxCjkhBZ6Kivkhw+mv0kds4/gGLzFidmg0AAA==&quot;"/>
     <we:property name="initialStateBookmark" value="&quot;H4sIAAAAAAAAA+1XTW/bOBD9KwtecjEKiRT1kVuauEDRug2SRXoogmJIjhwWsihQdGpv4P++Q8lum663XqQuugvswYA4Jt/Me3xDSg/M2L5rYP0GFshO2Qy8BuP8bymbsHaMPX/79tXs7OrVhzdnsymFXResa3t2+sAC+DmGG9svoYkIFHx/O2HQNJcwj6Mamh4nrEPfuxYa+weOk+mv4Je4mTBcdY3zECGvAwSMsPc0ncaUO30mKCPoYO/xGnUYo1fYOR+2YwAuZZaWuSzqUslUcK5pTT/+O5R5eH5MOhR27toAtqUCYgxSybMEFRapKDMpytyUMd7bdt5sqXxZ+/u6i3rZBXGPOqmPlDHibDZEtOClKKtEIGBW1nXN6yx9KpYABSZPtExymSZJnmlVPxUrz3VlssoIjlxoXmWiKg5iBVwF5VZ/RSvrHBIJUHKegKpzLYrkIFp/B92eyiDNy7xITJJzjjlooWUW19a2CdsNUuvpqvPkOvLiiHVm7qHVaNhgLY/96KQHdu6a5WJ4mj6KX7ul13iFg4DTNtiwjjDK24bFKi69I/sOwWtcQAtD9M59OvdIfjXsNNncUuT7DBur0T+iyBZIzRMf5kh+i4uIRTdms9h/Yfr46WbXHHzCXni3GJZt2xcowzcUJmwsgYqcsHd36HFYQD43NmwlePmNLP12yj8QbBwMqf9OLMp7A81yOBwI9rUNI9uHMRy7vHod593SrsdfXGEgwB5BFs4MkuGw63vBTi5ohXGf2hO22YyIuxOEqvv41bHwuarjmuN2bNEslUZSF/CsyIAnqRhb9GnmnSH0S48/VOCFhZltn+JeDd48bk8aeIP++Xqo/sL63dlMppz+vMrHzUSVKYNQlRrTtIBSV3X+66WF1XGkjSC1UrUyJWSopEy1ElDjr2UYD3x3PILUGGAqqPNCgCmw0pjLfwFBfjyGoqCXCzIpqFJIlSpeVz/Q/2fzucc57A7s6bFvtvjqFkMvlu22kcXRlFC11mWWy0oqnmZcpAaLg0qcU9K581ZD8zNu8h3f/6/xQ9f4qNThO/xkAWt38t+/xrd8h5yb/RvtlqHvQOMltLiHHJGC1kRHfZfg8GnEhiTkMauaQ4rED6bPWmw2fwJZRpz5uw0AAA==&quot;"/>
     <we:property name="isFiltersActionButtonVisible" value="true"/>
     <we:property name="reportEmbeddedTime" value="&quot;2023-07-06T22:26:56.059Z&quot;"/>
